--- a/src/Template.pptx
+++ b/src/Template.pptx
@@ -6,8 +6,7 @@
   </p:sldMasterIdLst>
   <p:sldIdLst>
     <p:sldId id="256" r:id="rId2"/>
-    <p:sldId id="257" r:id="rId3"/>
-    <p:sldId id="258" r:id="rId4"/>
+    <p:sldId id="258" r:id="rId3"/>
   </p:sldIdLst>
   <p:sldSz cx="12192000" cy="6858000"/>
   <p:notesSz cx="6858000" cy="9144000"/>
@@ -112,7 +111,6 @@
         <p14:section name="Default Section" id="{9350FB1C-05BD-4CC9-9543-82B9E00A83A4}">
           <p14:sldIdLst>
             <p14:sldId id="256"/>
-            <p14:sldId id="257"/>
           </p14:sldIdLst>
         </p14:section>
         <p14:section name="Main" id="{8F8D4F5C-E069-4925-8D8C-57840FE03CC9}">
@@ -284,7 +282,7 @@
           <a:p>
             <a:fld id="{EFAAC8F1-21AA-47EF-82D9-7929EA07D29D}" type="datetimeFigureOut">
               <a:rPr lang="ru-RU" smtClean="0"/>
-              <a:t>05.02.2023</a:t>
+              <a:t>04.03.2023</a:t>
             </a:fld>
             <a:endParaRPr lang="ru-RU"/>
           </a:p>
@@ -484,7 +482,7 @@
           <a:p>
             <a:fld id="{EFAAC8F1-21AA-47EF-82D9-7929EA07D29D}" type="datetimeFigureOut">
               <a:rPr lang="ru-RU" smtClean="0"/>
-              <a:t>05.02.2023</a:t>
+              <a:t>04.03.2023</a:t>
             </a:fld>
             <a:endParaRPr lang="ru-RU"/>
           </a:p>
@@ -694,7 +692,7 @@
           <a:p>
             <a:fld id="{EFAAC8F1-21AA-47EF-82D9-7929EA07D29D}" type="datetimeFigureOut">
               <a:rPr lang="ru-RU" smtClean="0"/>
-              <a:t>05.02.2023</a:t>
+              <a:t>04.03.2023</a:t>
             </a:fld>
             <a:endParaRPr lang="ru-RU"/>
           </a:p>
@@ -894,7 +892,7 @@
           <a:p>
             <a:fld id="{EFAAC8F1-21AA-47EF-82D9-7929EA07D29D}" type="datetimeFigureOut">
               <a:rPr lang="ru-RU" smtClean="0"/>
-              <a:t>05.02.2023</a:t>
+              <a:t>04.03.2023</a:t>
             </a:fld>
             <a:endParaRPr lang="ru-RU"/>
           </a:p>
@@ -1170,7 +1168,7 @@
           <a:p>
             <a:fld id="{EFAAC8F1-21AA-47EF-82D9-7929EA07D29D}" type="datetimeFigureOut">
               <a:rPr lang="ru-RU" smtClean="0"/>
-              <a:t>05.02.2023</a:t>
+              <a:t>04.03.2023</a:t>
             </a:fld>
             <a:endParaRPr lang="ru-RU"/>
           </a:p>
@@ -1438,7 +1436,7 @@
           <a:p>
             <a:fld id="{EFAAC8F1-21AA-47EF-82D9-7929EA07D29D}" type="datetimeFigureOut">
               <a:rPr lang="ru-RU" smtClean="0"/>
-              <a:t>05.02.2023</a:t>
+              <a:t>04.03.2023</a:t>
             </a:fld>
             <a:endParaRPr lang="ru-RU"/>
           </a:p>
@@ -1853,7 +1851,7 @@
           <a:p>
             <a:fld id="{EFAAC8F1-21AA-47EF-82D9-7929EA07D29D}" type="datetimeFigureOut">
               <a:rPr lang="ru-RU" smtClean="0"/>
-              <a:t>05.02.2023</a:t>
+              <a:t>04.03.2023</a:t>
             </a:fld>
             <a:endParaRPr lang="ru-RU"/>
           </a:p>
@@ -1995,7 +1993,7 @@
           <a:p>
             <a:fld id="{EFAAC8F1-21AA-47EF-82D9-7929EA07D29D}" type="datetimeFigureOut">
               <a:rPr lang="ru-RU" smtClean="0"/>
-              <a:t>05.02.2023</a:t>
+              <a:t>04.03.2023</a:t>
             </a:fld>
             <a:endParaRPr lang="ru-RU"/>
           </a:p>
@@ -2108,7 +2106,7 @@
           <a:p>
             <a:fld id="{EFAAC8F1-21AA-47EF-82D9-7929EA07D29D}" type="datetimeFigureOut">
               <a:rPr lang="ru-RU" smtClean="0"/>
-              <a:t>05.02.2023</a:t>
+              <a:t>04.03.2023</a:t>
             </a:fld>
             <a:endParaRPr lang="ru-RU"/>
           </a:p>
@@ -2421,7 +2419,7 @@
           <a:p>
             <a:fld id="{EFAAC8F1-21AA-47EF-82D9-7929EA07D29D}" type="datetimeFigureOut">
               <a:rPr lang="ru-RU" smtClean="0"/>
-              <a:t>05.02.2023</a:t>
+              <a:t>04.03.2023</a:t>
             </a:fld>
             <a:endParaRPr lang="ru-RU"/>
           </a:p>
@@ -2710,7 +2708,7 @@
           <a:p>
             <a:fld id="{EFAAC8F1-21AA-47EF-82D9-7929EA07D29D}" type="datetimeFigureOut">
               <a:rPr lang="ru-RU" smtClean="0"/>
-              <a:t>05.02.2023</a:t>
+              <a:t>04.03.2023</a:t>
             </a:fld>
             <a:endParaRPr lang="ru-RU"/>
           </a:p>
@@ -2953,7 +2951,7 @@
           <a:p>
             <a:fld id="{EFAAC8F1-21AA-47EF-82D9-7929EA07D29D}" type="datetimeFigureOut">
               <a:rPr lang="ru-RU" smtClean="0"/>
-              <a:t>05.02.2023</a:t>
+              <a:t>04.03.2023</a:t>
             </a:fld>
             <a:endParaRPr lang="ru-RU"/>
           </a:p>
@@ -3465,90 +3463,6 @@
           <p:cNvPr id="2" name="Title 1">
             <a:extLst>
               <a:ext uri="{FF2B5EF4-FFF2-40B4-BE49-F238E27FC236}">
-                <a16:creationId xmlns:a16="http://schemas.microsoft.com/office/drawing/2014/main" id="{EEB7FA78-9478-6080-EADB-E60D5D97BF79}"/>
-              </a:ext>
-            </a:extLst>
-          </p:cNvPr>
-          <p:cNvSpPr>
-            <a:spLocks noGrp="1"/>
-          </p:cNvSpPr>
-          <p:nvPr>
-            <p:ph type="ctrTitle"/>
-          </p:nvPr>
-        </p:nvSpPr>
-        <p:spPr/>
-        <p:txBody>
-          <a:bodyPr/>
-          <a:lstStyle/>
-          <a:p>
-            <a:r>
-              <a:rPr lang="en-US" dirty="0"/>
-              <a:t>Questions?</a:t>
-            </a:r>
-            <a:endParaRPr lang="ru-RU" dirty="0"/>
-          </a:p>
-        </p:txBody>
-      </p:sp>
-      <p:sp>
-        <p:nvSpPr>
-          <p:cNvPr id="4" name="Subtitle 3">
-            <a:extLst>
-              <a:ext uri="{FF2B5EF4-FFF2-40B4-BE49-F238E27FC236}">
-                <a16:creationId xmlns:a16="http://schemas.microsoft.com/office/drawing/2014/main" id="{81D11646-187F-88DB-2B01-AA79799E4DD3}"/>
-              </a:ext>
-            </a:extLst>
-          </p:cNvPr>
-          <p:cNvSpPr>
-            <a:spLocks noGrp="1"/>
-          </p:cNvSpPr>
-          <p:nvPr>
-            <p:ph type="subTitle" idx="1"/>
-          </p:nvPr>
-        </p:nvSpPr>
-        <p:spPr/>
-        <p:txBody>
-          <a:bodyPr/>
-          <a:lstStyle/>
-          <a:p>
-            <a:endParaRPr lang="ru-RU"/>
-          </a:p>
-        </p:txBody>
-      </p:sp>
-    </p:spTree>
-    <p:extLst>
-      <p:ext uri="{BB962C8B-B14F-4D97-AF65-F5344CB8AC3E}">
-        <p14:creationId xmlns:p14="http://schemas.microsoft.com/office/powerpoint/2010/main" val="3849855292"/>
-      </p:ext>
-    </p:extLst>
-  </p:cSld>
-  <p:clrMapOvr>
-    <a:masterClrMapping/>
-  </p:clrMapOvr>
-</p:sld>
-</file>
-
-<file path=ppt/slides/slide3.xml><?xml version="1.0" encoding="utf-8"?>
-<p:sld xmlns:a="http://schemas.openxmlformats.org/drawingml/2006/main" xmlns:r="http://schemas.openxmlformats.org/officeDocument/2006/relationships" xmlns:p="http://schemas.openxmlformats.org/presentationml/2006/main">
-  <p:cSld>
-    <p:spTree>
-      <p:nvGrpSpPr>
-        <p:cNvPr id="1" name=""/>
-        <p:cNvGrpSpPr/>
-        <p:nvPr/>
-      </p:nvGrpSpPr>
-      <p:grpSpPr>
-        <a:xfrm>
-          <a:off x="0" y="0"/>
-          <a:ext cx="0" cy="0"/>
-          <a:chOff x="0" y="0"/>
-          <a:chExt cx="0" cy="0"/>
-        </a:xfrm>
-      </p:grpSpPr>
-      <p:sp>
-        <p:nvSpPr>
-          <p:cNvPr id="2" name="Title 1">
-            <a:extLst>
-              <a:ext uri="{FF2B5EF4-FFF2-40B4-BE49-F238E27FC236}">
                 <a16:creationId xmlns:a16="http://schemas.microsoft.com/office/drawing/2014/main" id="{6EAC2F57-76F8-946A-9A2F-91D6B0DFCD10}"/>
               </a:ext>
             </a:extLst>
